--- a/assets/lectures/31avl/balance_bsts.pptx
+++ b/assets/lectures/31avl/balance_bsts.pptx
@@ -6355,132 +6355,69 @@
           </a:fontRef>
         </p:style>
       </p:cxnSp>
-      <p:grpSp>
-        <p:nvGrpSpPr>
-          <p:cNvPr id="22" name="Group 21">
-            <a:extLst>
-              <a:ext uri="{FF2B5EF4-FFF2-40B4-BE49-F238E27FC236}">
-                <a16:creationId xmlns:a16="http://schemas.microsoft.com/office/drawing/2014/main" id="{D183C48C-57C3-455E-831A-D01F74641561}"/>
-              </a:ext>
-            </a:extLst>
-          </p:cNvPr>
-          <p:cNvGrpSpPr/>
+      <p:sp>
+        <p:nvSpPr>
+          <p:cNvPr id="11" name="Isosceles Triangle 10">
+            <a:extLst>
+              <a:ext uri="{FF2B5EF4-FFF2-40B4-BE49-F238E27FC236}">
+                <a16:creationId xmlns:a16="http://schemas.microsoft.com/office/drawing/2014/main" id="{4E10AB2D-2C34-41C3-BBF7-E117E6C1845B}"/>
+              </a:ext>
+            </a:extLst>
+          </p:cNvPr>
+          <p:cNvSpPr/>
           <p:nvPr/>
-        </p:nvGrpSpPr>
-        <p:grpSpPr>
+        </p:nvSpPr>
+        <p:spPr>
           <a:xfrm>
             <a:off x="4850860" y="2358341"/>
             <a:ext cx="1245140" cy="3070293"/>
-            <a:chOff x="4850860" y="2358341"/>
-            <a:chExt cx="1245140" cy="3070293"/>
-          </a:xfrm>
-        </p:grpSpPr>
-        <p:sp>
-          <p:nvSpPr>
-            <p:cNvPr id="11" name="Isosceles Triangle 10">
-              <a:extLst>
-                <a:ext uri="{FF2B5EF4-FFF2-40B4-BE49-F238E27FC236}">
-                  <a16:creationId xmlns:a16="http://schemas.microsoft.com/office/drawing/2014/main" id="{4E10AB2D-2C34-41C3-BBF7-E117E6C1845B}"/>
-                </a:ext>
-              </a:extLst>
-            </p:cNvPr>
-            <p:cNvSpPr/>
-            <p:nvPr/>
-          </p:nvSpPr>
-          <p:spPr>
-            <a:xfrm>
-              <a:off x="4850860" y="2358341"/>
-              <a:ext cx="1245140" cy="3070293"/>
-            </a:xfrm>
-            <a:prstGeom prst="triangle">
-              <a:avLst/>
-            </a:prstGeom>
+          </a:xfrm>
+          <a:prstGeom prst="triangle">
+            <a:avLst/>
+          </a:prstGeom>
+          <a:solidFill>
+            <a:schemeClr val="accent2">
+              <a:lumMod val="20000"/>
+              <a:lumOff val="80000"/>
+            </a:schemeClr>
+          </a:solidFill>
+          <a:ln w="38100">
             <a:solidFill>
-              <a:schemeClr val="accent2">
-                <a:lumMod val="20000"/>
-                <a:lumOff val="80000"/>
-              </a:schemeClr>
+              <a:schemeClr val="tx1"/>
             </a:solidFill>
-            <a:ln w="38100">
+          </a:ln>
+        </p:spPr>
+        <p:style>
+          <a:lnRef idx="2">
+            <a:schemeClr val="accent1">
+              <a:shade val="50000"/>
+            </a:schemeClr>
+          </a:lnRef>
+          <a:fillRef idx="1">
+            <a:schemeClr val="accent1"/>
+          </a:fillRef>
+          <a:effectRef idx="0">
+            <a:schemeClr val="accent1"/>
+          </a:effectRef>
+          <a:fontRef idx="minor">
+            <a:schemeClr val="lt1"/>
+          </a:fontRef>
+        </p:style>
+        <p:txBody>
+          <a:bodyPr rtlCol="0" anchor="ctr"/>
+          <a:lstStyle/>
+          <a:p>
+            <a:pPr algn="ctr"/>
+            <a:endParaRPr lang="en-US" b="1" dirty="0">
               <a:solidFill>
-                <a:schemeClr val="tx1"/>
+                <a:schemeClr val="accent1">
+                  <a:lumMod val="50000"/>
+                </a:schemeClr>
               </a:solidFill>
-            </a:ln>
-          </p:spPr>
-          <p:style>
-            <a:lnRef idx="2">
-              <a:schemeClr val="accent1">
-                <a:shade val="50000"/>
-              </a:schemeClr>
-            </a:lnRef>
-            <a:fillRef idx="1">
-              <a:schemeClr val="accent1"/>
-            </a:fillRef>
-            <a:effectRef idx="0">
-              <a:schemeClr val="accent1"/>
-            </a:effectRef>
-            <a:fontRef idx="minor">
-              <a:schemeClr val="lt1"/>
-            </a:fontRef>
-          </p:style>
-          <p:txBody>
-            <a:bodyPr rtlCol="0" anchor="ctr"/>
-            <a:lstStyle/>
-            <a:p>
-              <a:pPr algn="ctr"/>
-              <a:endParaRPr lang="en-US" b="1" dirty="0">
-                <a:solidFill>
-                  <a:schemeClr val="accent1">
-                    <a:lumMod val="50000"/>
-                  </a:schemeClr>
-                </a:solidFill>
-              </a:endParaRPr>
-            </a:p>
-          </p:txBody>
-        </p:sp>
-        <p:cxnSp>
-          <p:nvCxnSpPr>
-            <p:cNvPr id="21" name="Straight Connector 20">
-              <a:extLst>
-                <a:ext uri="{FF2B5EF4-FFF2-40B4-BE49-F238E27FC236}">
-                  <a16:creationId xmlns:a16="http://schemas.microsoft.com/office/drawing/2014/main" id="{063BB480-B767-4D3B-B96C-E53198AB576B}"/>
-                </a:ext>
-              </a:extLst>
-            </p:cNvPr>
-            <p:cNvCxnSpPr/>
-            <p:nvPr/>
-          </p:nvCxnSpPr>
-          <p:spPr>
-            <a:xfrm>
-              <a:off x="5066624" y="4578350"/>
-              <a:ext cx="917913" cy="0"/>
-            </a:xfrm>
-            <a:prstGeom prst="line">
-              <a:avLst/>
-            </a:prstGeom>
-            <a:ln w="28575">
-              <a:solidFill>
-                <a:schemeClr val="tx1"/>
-              </a:solidFill>
-              <a:prstDash val="dash"/>
-            </a:ln>
-          </p:spPr>
-          <p:style>
-            <a:lnRef idx="1">
-              <a:schemeClr val="accent1"/>
-            </a:lnRef>
-            <a:fillRef idx="0">
-              <a:schemeClr val="accent1"/>
-            </a:fillRef>
-            <a:effectRef idx="0">
-              <a:schemeClr val="accent1"/>
-            </a:effectRef>
-            <a:fontRef idx="minor">
-              <a:schemeClr val="tx1"/>
-            </a:fontRef>
-          </p:style>
-        </p:cxnSp>
-      </p:grpSp>
+            </a:endParaRPr>
+          </a:p>
+        </p:txBody>
+      </p:sp>
     </p:spTree>
     <p:extLst>
       <p:ext uri="{BB962C8B-B14F-4D97-AF65-F5344CB8AC3E}">
@@ -6900,132 +6837,69 @@
           </a:fontRef>
         </p:style>
       </p:cxnSp>
-      <p:grpSp>
-        <p:nvGrpSpPr>
-          <p:cNvPr id="3" name="Group 2">
-            <a:extLst>
-              <a:ext uri="{FF2B5EF4-FFF2-40B4-BE49-F238E27FC236}">
-                <a16:creationId xmlns:a16="http://schemas.microsoft.com/office/drawing/2014/main" id="{B0E29A2D-82D9-4F33-B029-C431F8FEF924}"/>
-              </a:ext>
-            </a:extLst>
-          </p:cNvPr>
-          <p:cNvGrpSpPr/>
+      <p:sp>
+        <p:nvSpPr>
+          <p:cNvPr id="11" name="Isosceles Triangle 10">
+            <a:extLst>
+              <a:ext uri="{FF2B5EF4-FFF2-40B4-BE49-F238E27FC236}">
+                <a16:creationId xmlns:a16="http://schemas.microsoft.com/office/drawing/2014/main" id="{4E10AB2D-2C34-41C3-BBF7-E117E6C1845B}"/>
+              </a:ext>
+            </a:extLst>
+          </p:cNvPr>
+          <p:cNvSpPr/>
           <p:nvPr/>
-        </p:nvGrpSpPr>
-        <p:grpSpPr>
+        </p:nvSpPr>
+        <p:spPr>
           <a:xfrm>
             <a:off x="5225780" y="2383741"/>
             <a:ext cx="1245140" cy="3070293"/>
-            <a:chOff x="4850860" y="2358341"/>
-            <a:chExt cx="1245140" cy="3070293"/>
-          </a:xfrm>
-        </p:grpSpPr>
-        <p:sp>
-          <p:nvSpPr>
-            <p:cNvPr id="11" name="Isosceles Triangle 10">
-              <a:extLst>
-                <a:ext uri="{FF2B5EF4-FFF2-40B4-BE49-F238E27FC236}">
-                  <a16:creationId xmlns:a16="http://schemas.microsoft.com/office/drawing/2014/main" id="{4E10AB2D-2C34-41C3-BBF7-E117E6C1845B}"/>
-                </a:ext>
-              </a:extLst>
-            </p:cNvPr>
-            <p:cNvSpPr/>
-            <p:nvPr/>
-          </p:nvSpPr>
-          <p:spPr>
-            <a:xfrm>
-              <a:off x="4850860" y="2358341"/>
-              <a:ext cx="1245140" cy="3070293"/>
-            </a:xfrm>
-            <a:prstGeom prst="triangle">
-              <a:avLst/>
-            </a:prstGeom>
+          </a:xfrm>
+          <a:prstGeom prst="triangle">
+            <a:avLst/>
+          </a:prstGeom>
+          <a:solidFill>
+            <a:schemeClr val="accent2">
+              <a:lumMod val="20000"/>
+              <a:lumOff val="80000"/>
+            </a:schemeClr>
+          </a:solidFill>
+          <a:ln w="38100">
             <a:solidFill>
-              <a:schemeClr val="accent2">
-                <a:lumMod val="20000"/>
-                <a:lumOff val="80000"/>
-              </a:schemeClr>
+              <a:schemeClr val="tx1"/>
             </a:solidFill>
-            <a:ln w="38100">
+          </a:ln>
+        </p:spPr>
+        <p:style>
+          <a:lnRef idx="2">
+            <a:schemeClr val="accent1">
+              <a:shade val="50000"/>
+            </a:schemeClr>
+          </a:lnRef>
+          <a:fillRef idx="1">
+            <a:schemeClr val="accent1"/>
+          </a:fillRef>
+          <a:effectRef idx="0">
+            <a:schemeClr val="accent1"/>
+          </a:effectRef>
+          <a:fontRef idx="minor">
+            <a:schemeClr val="lt1"/>
+          </a:fontRef>
+        </p:style>
+        <p:txBody>
+          <a:bodyPr rtlCol="0" anchor="ctr"/>
+          <a:lstStyle/>
+          <a:p>
+            <a:pPr algn="ctr"/>
+            <a:endParaRPr lang="en-US" b="1" dirty="0">
               <a:solidFill>
-                <a:schemeClr val="tx1"/>
+                <a:schemeClr val="accent1">
+                  <a:lumMod val="50000"/>
+                </a:schemeClr>
               </a:solidFill>
-            </a:ln>
-          </p:spPr>
-          <p:style>
-            <a:lnRef idx="2">
-              <a:schemeClr val="accent1">
-                <a:shade val="50000"/>
-              </a:schemeClr>
-            </a:lnRef>
-            <a:fillRef idx="1">
-              <a:schemeClr val="accent1"/>
-            </a:fillRef>
-            <a:effectRef idx="0">
-              <a:schemeClr val="accent1"/>
-            </a:effectRef>
-            <a:fontRef idx="minor">
-              <a:schemeClr val="lt1"/>
-            </a:fontRef>
-          </p:style>
-          <p:txBody>
-            <a:bodyPr rtlCol="0" anchor="ctr"/>
-            <a:lstStyle/>
-            <a:p>
-              <a:pPr algn="ctr"/>
-              <a:endParaRPr lang="en-US" b="1" dirty="0">
-                <a:solidFill>
-                  <a:schemeClr val="accent1">
-                    <a:lumMod val="50000"/>
-                  </a:schemeClr>
-                </a:solidFill>
-              </a:endParaRPr>
-            </a:p>
-          </p:txBody>
-        </p:sp>
-        <p:cxnSp>
-          <p:nvCxnSpPr>
-            <p:cNvPr id="12" name="Straight Connector 11">
-              <a:extLst>
-                <a:ext uri="{FF2B5EF4-FFF2-40B4-BE49-F238E27FC236}">
-                  <a16:creationId xmlns:a16="http://schemas.microsoft.com/office/drawing/2014/main" id="{CC44E194-8F77-4137-8EDA-414BEE73460C}"/>
-                </a:ext>
-              </a:extLst>
-            </p:cNvPr>
-            <p:cNvCxnSpPr/>
-            <p:nvPr/>
-          </p:nvCxnSpPr>
-          <p:spPr>
-            <a:xfrm>
-              <a:off x="5060274" y="4578350"/>
-              <a:ext cx="917913" cy="0"/>
-            </a:xfrm>
-            <a:prstGeom prst="line">
-              <a:avLst/>
-            </a:prstGeom>
-            <a:ln w="28575">
-              <a:solidFill>
-                <a:schemeClr val="tx1"/>
-              </a:solidFill>
-              <a:prstDash val="dash"/>
-            </a:ln>
-          </p:spPr>
-          <p:style>
-            <a:lnRef idx="1">
-              <a:schemeClr val="accent1"/>
-            </a:lnRef>
-            <a:fillRef idx="0">
-              <a:schemeClr val="accent1"/>
-            </a:fillRef>
-            <a:effectRef idx="0">
-              <a:schemeClr val="accent1"/>
-            </a:effectRef>
-            <a:fontRef idx="minor">
-              <a:schemeClr val="tx1"/>
-            </a:fontRef>
-          </p:style>
-        </p:cxnSp>
-      </p:grpSp>
+            </a:endParaRPr>
+          </a:p>
+        </p:txBody>
+      </p:sp>
       <p:sp>
         <p:nvSpPr>
           <p:cNvPr id="14" name="Isosceles Triangle 13">
